--- a/Outlaw/A Little To The Left, A Little To The Right, but with a sword.pptx
+++ b/Outlaw/A Little To The Left, A Little To The Right, but with a sword.pptx
@@ -258,7 +258,7 @@
               <a:pPr>
                 <a:defRPr/>
               </a:pPr>
-              <a:t>29.07.2019</a:t>
+              <a:t>30.09.2019</a:t>
             </a:fld>
             <a:endParaRPr lang="en-US"/>
           </a:p>
@@ -4149,14 +4149,14 @@
           <p:nvPr>
             <p:extLst>
               <p:ext uri="{D42A27DB-BD31-4B8C-83A1-F6EECF244321}">
-                <p14:modId xmlns:p14="http://schemas.microsoft.com/office/powerpoint/2010/main" val="234401277"/>
+                <p14:modId xmlns:p14="http://schemas.microsoft.com/office/powerpoint/2010/main" val="3043585450"/>
               </p:ext>
             </p:extLst>
           </p:nvPr>
         </p:nvGraphicFramePr>
         <p:xfrm>
           <a:off x="152400" y="152400"/>
-          <a:ext cx="7010400" cy="3827316"/>
+          <a:ext cx="7010400" cy="3728622"/>
         </p:xfrm>
         <a:graphic>
           <a:graphicData uri="http://schemas.openxmlformats.org/drawingml/2006/table">
@@ -4571,7 +4571,22 @@
                           <a:ea typeface="ＭＳ Ｐゴシック" pitchFamily="-112" charset="-128"/>
                           <a:cs typeface="Times New Roman" pitchFamily="-112" charset="0"/>
                         </a:rPr>
-                        <a:t>START POSITION: Standing in box A facing T1. Firearm at low ready. PCC pointed squarely downrange, parallel with ground, stock touching belt.</a:t>
+                        <a:t>START POSITION: </a:t>
+                      </a:r>
+                      <a:r>
+                        <a:rPr kumimoji="0" lang="en-US" sz="1100" b="0" i="0" u="none" strike="noStrike" cap="none" normalizeH="0" baseline="0" dirty="0">
+                          <a:ln>
+                            <a:noFill/>
+                          </a:ln>
+                          <a:solidFill>
+                            <a:schemeClr val="tx1"/>
+                          </a:solidFill>
+                          <a:effectLst/>
+                          <a:latin typeface="Arial" charset="0"/>
+                          <a:ea typeface="ＭＳ Ｐゴシック" pitchFamily="-112" charset="-128"/>
+                          <a:cs typeface="Times New Roman" pitchFamily="-112" charset="0"/>
+                        </a:rPr>
+                        <a:t>Standing in box A facing T1. Firearm at low ready. PCC pointed squarely downrange, parallel with ground, stock touching belt.</a:t>
                       </a:r>
                     </a:p>
                     <a:p>
@@ -4592,7 +4607,7 @@
                         <a:tabLst/>
                       </a:pPr>
                       <a:r>
-                        <a:rPr kumimoji="0" lang="en-US" sz="1100" b="1" i="0" u="none" strike="noStrike" cap="none" normalizeH="0" baseline="0" dirty="0">
+                        <a:rPr kumimoji="0" lang="en-US" sz="1100" b="0" i="0" u="none" strike="noStrike" cap="none" normalizeH="0" baseline="0" dirty="0">
                           <a:ln>
                             <a:noFill/>
                           </a:ln>
@@ -4625,7 +4640,7 @@
                         <a:tabLst/>
                       </a:pPr>
                       <a:r>
-                        <a:rPr kumimoji="0" lang="en-US" sz="1100" b="1" i="0" u="none" strike="noStrike" cap="none" normalizeH="0" baseline="0" dirty="0">
+                        <a:rPr kumimoji="0" lang="en-US" sz="1100" b="0" i="0" u="none" strike="noStrike" cap="none" normalizeH="0" baseline="0" dirty="0">
                           <a:ln>
                             <a:noFill/>
                           </a:ln>
@@ -4899,7 +4914,22 @@
                           <a:ea typeface="ＭＳ Ｐゴシック" pitchFamily="-112" charset="-128"/>
                           <a:cs typeface="Times New Roman" pitchFamily="-112" charset="0"/>
                         </a:rPr>
-                        <a:t>START-STOP:          Audible - Last shot</a:t>
+                        <a:t>START-STOP:          Audible - </a:t>
+                      </a:r>
+                      <a:r>
+                        <a:rPr kumimoji="0" lang="en-US" sz="1100" b="1" i="0" u="none" strike="noStrike" cap="none" normalizeH="0" baseline="0">
+                          <a:ln>
+                            <a:noFill/>
+                          </a:ln>
+                          <a:solidFill>
+                            <a:schemeClr val="tx1"/>
+                          </a:solidFill>
+                          <a:effectLst/>
+                          <a:latin typeface="Arial" charset="0"/>
+                          <a:ea typeface="ＭＳ Ｐゴシック" pitchFamily="-112" charset="-128"/>
+                          <a:cs typeface="Times New Roman" pitchFamily="-112" charset="0"/>
+                        </a:rPr>
+                        <a:t>Last shot</a:t>
                       </a:r>
                     </a:p>
                     <a:p>
@@ -4920,7 +4950,7 @@
                         <a:tabLst/>
                       </a:pPr>
                       <a:r>
-                        <a:rPr kumimoji="0" lang="en-US" sz="1100" b="1" i="0" u="none" strike="noStrike" cap="none" normalizeH="0" baseline="0" dirty="0">
+                        <a:rPr kumimoji="0" lang="en-US" sz="1100" b="1" i="0" u="none" strike="noStrike" cap="none" normalizeH="0" baseline="0">
                           <a:ln>
                             <a:noFill/>
                           </a:ln>
@@ -4932,26 +4962,8 @@
                           <a:ea typeface="ＭＳ Ｐゴシック" pitchFamily="-112" charset="-128"/>
                           <a:cs typeface="Times New Roman" pitchFamily="-112" charset="0"/>
                         </a:rPr>
-                        <a:t>CONCEALMENT:     Required</a:t>
+                        <a:t>Muzzle </a:t>
                       </a:r>
-                    </a:p>
-                    <a:p>
-                      <a:pPr marL="0" marR="0" lvl="0" indent="0" algn="l" defTabSz="966788" rtl="0" eaLnBrk="0" fontAlgn="base" latinLnBrk="0" hangingPunct="0">
-                        <a:lnSpc>
-                          <a:spcPct val="100000"/>
-                        </a:lnSpc>
-                        <a:spcBef>
-                          <a:spcPct val="0"/>
-                        </a:spcBef>
-                        <a:spcAft>
-                          <a:spcPct val="0"/>
-                        </a:spcAft>
-                        <a:buClrTx/>
-                        <a:buSzTx/>
-                        <a:buFontTx/>
-                        <a:buNone/>
-                        <a:tabLst/>
-                      </a:pPr>
                       <a:r>
                         <a:rPr kumimoji="0" lang="en-US" sz="1100" b="1" i="0" u="none" strike="noStrike" cap="none" normalizeH="0" baseline="0" dirty="0">
                           <a:ln>
@@ -4965,7 +4977,7 @@
                           <a:ea typeface="ＭＳ Ｐゴシック" pitchFamily="-112" charset="-128"/>
                           <a:cs typeface="Times New Roman" pitchFamily="-112" charset="0"/>
                         </a:rPr>
-                        <a:t>Muzzle Safe Points: Muzzle safe markers / 180 degree rule</a:t>
+                        <a:t>Safe Points: Muzzle safe markers / 180 degree rule</a:t>
                       </a:r>
                     </a:p>
                   </a:txBody>
@@ -5068,7 +5080,22 @@
                           <a:ea typeface="ＭＳ Ｐゴシック" pitchFamily="-112" charset="-128"/>
                           <a:cs typeface="Times New Roman" pitchFamily="-112" charset="0"/>
                         </a:rPr>
-                        <a:t>STAGE PROCEDURE: At start signal, engage T1 with 2 rounds only strong hand from Box A. Then move to Box B and engage T2 with 2 rounds only strong hand from Box B. Then move back to Box A and repeat until you have fired 16 shots, 8 at each target.</a:t>
+                        <a:t>STAGE PROCEDURE: </a:t>
+                      </a:r>
+                      <a:r>
+                        <a:rPr kumimoji="0" lang="en-US" sz="1100" b="0" i="0" u="none" strike="noStrike" cap="none" normalizeH="0" baseline="0" dirty="0">
+                          <a:ln>
+                            <a:noFill/>
+                          </a:ln>
+                          <a:solidFill>
+                            <a:schemeClr val="tx1"/>
+                          </a:solidFill>
+                          <a:effectLst/>
+                          <a:latin typeface="Arial" charset="0"/>
+                          <a:ea typeface="ＭＳ Ｐゴシック" pitchFamily="-112" charset="-128"/>
+                          <a:cs typeface="Times New Roman" pitchFamily="-112" charset="0"/>
+                        </a:rPr>
+                        <a:t>At start signal, engage T1 with 2 rounds only strong hand from Box A. Then move to Box B and engage T2 with 2 rounds only strong hand from Box B. Then move back to Box A and repeat until you have fired 16 shots, 8 at each target.</a:t>
                       </a:r>
                     </a:p>
                     <a:p>
@@ -5088,7 +5115,7 @@
                         <a:buNone/>
                         <a:tabLst/>
                       </a:pPr>
-                      <a:endParaRPr kumimoji="0" lang="en-US" sz="1100" b="1" i="0" u="none" strike="noStrike" cap="none" normalizeH="0" baseline="0" dirty="0">
+                      <a:endParaRPr kumimoji="0" lang="en-US" sz="1100" b="0" i="0" u="none" strike="noStrike" cap="none" normalizeH="0" baseline="0" dirty="0">
                         <a:ln>
                           <a:noFill/>
                         </a:ln>
@@ -5119,7 +5146,7 @@
                         <a:tabLst/>
                       </a:pPr>
                       <a:r>
-                        <a:rPr kumimoji="0" lang="en-US" sz="1100" b="1" i="0" u="none" strike="noStrike" cap="none" normalizeH="0" baseline="0" dirty="0">
+                        <a:rPr kumimoji="0" lang="en-US" sz="1100" b="0" i="0" u="none" strike="noStrike" cap="none" normalizeH="0" baseline="0" dirty="0">
                           <a:ln>
                             <a:noFill/>
                           </a:ln>
@@ -5131,35 +5158,8 @@
                           <a:ea typeface="ＭＳ Ｐゴシック" pitchFamily="-112" charset="-128"/>
                           <a:cs typeface="Times New Roman" pitchFamily="-112" charset="0"/>
                         </a:rPr>
-                        <a:t>Reload required, at which point the shooter may drop the sword and continue engaging </a:t>
+                        <a:t>Reload required, at which point the shooter may drop the sword and continue engaging targets freestyle.</a:t>
                       </a:r>
-                      <a:r>
-                        <a:rPr kumimoji="0" lang="en-US" sz="1100" b="1" i="0" u="none" strike="noStrike" cap="none" normalizeH="0" baseline="0">
-                          <a:ln>
-                            <a:noFill/>
-                          </a:ln>
-                          <a:solidFill>
-                            <a:schemeClr val="tx1"/>
-                          </a:solidFill>
-                          <a:effectLst/>
-                          <a:latin typeface="Arial" charset="0"/>
-                          <a:ea typeface="ＭＳ Ｐゴシック" pitchFamily="-112" charset="-128"/>
-                          <a:cs typeface="Times New Roman" pitchFamily="-112" charset="0"/>
-                        </a:rPr>
-                        <a:t>targets freestyle.</a:t>
-                      </a:r>
-                      <a:endParaRPr kumimoji="0" lang="en-US" sz="1100" b="1" i="0" u="none" strike="noStrike" cap="none" normalizeH="0" baseline="0" dirty="0">
-                        <a:ln>
-                          <a:noFill/>
-                        </a:ln>
-                        <a:solidFill>
-                          <a:schemeClr val="tx1"/>
-                        </a:solidFill>
-                        <a:effectLst/>
-                        <a:latin typeface="Arial" charset="0"/>
-                        <a:ea typeface="ＭＳ Ｐゴシック" pitchFamily="-112" charset="-128"/>
-                        <a:cs typeface="Times New Roman" pitchFamily="-112" charset="0"/>
-                      </a:endParaRPr>
                     </a:p>
                   </a:txBody>
                   <a:tcPr marL="45720" marR="45720" marT="45715" marB="45715" horzOverflow="overflow">
